--- a/ppt 16-9/0912.相约在主里.pptx
+++ b/ppt 16-9/0912.相约在主里.pptx
@@ -129,7 +129,7 @@
           <p:cNvPr id="2" name="标题 1">
             <a:extLst>
               <a:ext uri="{FF2B5EF4-FFF2-40B4-BE49-F238E27FC236}">
-                <a16:creationId xmlns:a16="http://schemas.microsoft.com/office/drawing/2014/main" id="{E2FE82B7-7704-18E1-D96F-294D28103E19}"/>
+                <a16:creationId xmlns:a16="http://schemas.microsoft.com/office/drawing/2014/main" id="{396987B4-1D98-8CF2-69A0-D471593D71A3}"/>
               </a:ext>
             </a:extLst>
           </p:cNvPr>
@@ -166,7 +166,7 @@
           <p:cNvPr id="3" name="副标题 2">
             <a:extLst>
               <a:ext uri="{FF2B5EF4-FFF2-40B4-BE49-F238E27FC236}">
-                <a16:creationId xmlns:a16="http://schemas.microsoft.com/office/drawing/2014/main" id="{8EA37CA2-52F8-2144-053B-1511268C14B4}"/>
+                <a16:creationId xmlns:a16="http://schemas.microsoft.com/office/drawing/2014/main" id="{383D2F91-52C5-6717-AF26-FD5402F6F465}"/>
               </a:ext>
             </a:extLst>
           </p:cNvPr>
@@ -236,7 +236,7 @@
           <p:cNvPr id="4" name="日期占位符 3">
             <a:extLst>
               <a:ext uri="{FF2B5EF4-FFF2-40B4-BE49-F238E27FC236}">
-                <a16:creationId xmlns:a16="http://schemas.microsoft.com/office/drawing/2014/main" id="{F7AD4B19-6923-0C8F-3F6B-4C85C9D0A779}"/>
+                <a16:creationId xmlns:a16="http://schemas.microsoft.com/office/drawing/2014/main" id="{EB951397-178A-E60C-6D1E-2BD5883AD42A}"/>
               </a:ext>
             </a:extLst>
           </p:cNvPr>
@@ -252,7 +252,7 @@
           <a:bodyPr/>
           <a:lstStyle/>
           <a:p>
-            <a:fld id="{6874966D-011F-47C1-89F1-80095A0F9399}" type="datetimeFigureOut">
+            <a:fld id="{859C4300-A530-4BBB-849E-673E7A91E736}" type="datetimeFigureOut">
               <a:rPr lang="zh-CN" altLang="en-US" smtClean="0"/>
               <a:t>2024/3/10</a:t>
             </a:fld>
@@ -265,7 +265,7 @@
           <p:cNvPr id="5" name="页脚占位符 4">
             <a:extLst>
               <a:ext uri="{FF2B5EF4-FFF2-40B4-BE49-F238E27FC236}">
-                <a16:creationId xmlns:a16="http://schemas.microsoft.com/office/drawing/2014/main" id="{C1900C46-9D90-521D-AAC5-6871DF2B367D}"/>
+                <a16:creationId xmlns:a16="http://schemas.microsoft.com/office/drawing/2014/main" id="{BB0881E1-CE63-F865-2840-4B89CFB892D1}"/>
               </a:ext>
             </a:extLst>
           </p:cNvPr>
@@ -290,7 +290,7 @@
           <p:cNvPr id="6" name="灯片编号占位符 5">
             <a:extLst>
               <a:ext uri="{FF2B5EF4-FFF2-40B4-BE49-F238E27FC236}">
-                <a16:creationId xmlns:a16="http://schemas.microsoft.com/office/drawing/2014/main" id="{AB348CB1-25AD-DCE4-1850-2D7BEE8438CA}"/>
+                <a16:creationId xmlns:a16="http://schemas.microsoft.com/office/drawing/2014/main" id="{CE41876C-E5A0-0521-21D6-1B99880AD50D}"/>
               </a:ext>
             </a:extLst>
           </p:cNvPr>
@@ -306,7 +306,7 @@
           <a:bodyPr/>
           <a:lstStyle/>
           <a:p>
-            <a:fld id="{FD254F6E-AFEA-41D1-9612-DCA63B406D84}" type="slidenum">
+            <a:fld id="{1B2CB916-ED0D-4AEF-8625-66111ABF5364}" type="slidenum">
               <a:rPr lang="zh-CN" altLang="en-US" smtClean="0"/>
               <a:t>‹#›</a:t>
             </a:fld>
@@ -317,7 +317,7 @@
     </p:spTree>
     <p:extLst>
       <p:ext uri="{BB962C8B-B14F-4D97-AF65-F5344CB8AC3E}">
-        <p14:creationId xmlns:p14="http://schemas.microsoft.com/office/powerpoint/2010/main" val="4157581356"/>
+        <p14:creationId xmlns:p14="http://schemas.microsoft.com/office/powerpoint/2010/main" val="917800312"/>
       </p:ext>
     </p:extLst>
   </p:cSld>
@@ -349,7 +349,7 @@
           <p:cNvPr id="2" name="标题 1">
             <a:extLst>
               <a:ext uri="{FF2B5EF4-FFF2-40B4-BE49-F238E27FC236}">
-                <a16:creationId xmlns:a16="http://schemas.microsoft.com/office/drawing/2014/main" id="{7A58AD6A-C020-0EF9-887D-6BE9523892D2}"/>
+                <a16:creationId xmlns:a16="http://schemas.microsoft.com/office/drawing/2014/main" id="{A7B5EE82-D886-0CEF-C2F7-71653F6809EE}"/>
               </a:ext>
             </a:extLst>
           </p:cNvPr>
@@ -377,7 +377,7 @@
           <p:cNvPr id="3" name="竖排文字占位符 2">
             <a:extLst>
               <a:ext uri="{FF2B5EF4-FFF2-40B4-BE49-F238E27FC236}">
-                <a16:creationId xmlns:a16="http://schemas.microsoft.com/office/drawing/2014/main" id="{FEC80F3A-6690-7936-4BA9-E1B64392E8D2}"/>
+                <a16:creationId xmlns:a16="http://schemas.microsoft.com/office/drawing/2014/main" id="{C1D25717-61B6-6B8A-E7E5-4B9249472BDA}"/>
               </a:ext>
             </a:extLst>
           </p:cNvPr>
@@ -434,7 +434,7 @@
           <p:cNvPr id="4" name="日期占位符 3">
             <a:extLst>
               <a:ext uri="{FF2B5EF4-FFF2-40B4-BE49-F238E27FC236}">
-                <a16:creationId xmlns:a16="http://schemas.microsoft.com/office/drawing/2014/main" id="{7A04BC99-862E-2654-942A-C042133AFFBB}"/>
+                <a16:creationId xmlns:a16="http://schemas.microsoft.com/office/drawing/2014/main" id="{FFF91DEF-0DB3-7A42-0D15-7CC0ABDA75C1}"/>
               </a:ext>
             </a:extLst>
           </p:cNvPr>
@@ -450,7 +450,7 @@
           <a:bodyPr/>
           <a:lstStyle/>
           <a:p>
-            <a:fld id="{6874966D-011F-47C1-89F1-80095A0F9399}" type="datetimeFigureOut">
+            <a:fld id="{859C4300-A530-4BBB-849E-673E7A91E736}" type="datetimeFigureOut">
               <a:rPr lang="zh-CN" altLang="en-US" smtClean="0"/>
               <a:t>2024/3/10</a:t>
             </a:fld>
@@ -463,7 +463,7 @@
           <p:cNvPr id="5" name="页脚占位符 4">
             <a:extLst>
               <a:ext uri="{FF2B5EF4-FFF2-40B4-BE49-F238E27FC236}">
-                <a16:creationId xmlns:a16="http://schemas.microsoft.com/office/drawing/2014/main" id="{8FBF55A8-34EC-44CB-9F8F-EA2BC9558C2F}"/>
+                <a16:creationId xmlns:a16="http://schemas.microsoft.com/office/drawing/2014/main" id="{1D6ABC66-24FB-2FA3-95F6-28EBB9F9281A}"/>
               </a:ext>
             </a:extLst>
           </p:cNvPr>
@@ -488,7 +488,7 @@
           <p:cNvPr id="6" name="灯片编号占位符 5">
             <a:extLst>
               <a:ext uri="{FF2B5EF4-FFF2-40B4-BE49-F238E27FC236}">
-                <a16:creationId xmlns:a16="http://schemas.microsoft.com/office/drawing/2014/main" id="{85CCBAF9-AE84-9280-F2C5-61BE511DF469}"/>
+                <a16:creationId xmlns:a16="http://schemas.microsoft.com/office/drawing/2014/main" id="{D5A719CF-B5C7-4AD7-74EF-89995A0479DF}"/>
               </a:ext>
             </a:extLst>
           </p:cNvPr>
@@ -504,7 +504,7 @@
           <a:bodyPr/>
           <a:lstStyle/>
           <a:p>
-            <a:fld id="{FD254F6E-AFEA-41D1-9612-DCA63B406D84}" type="slidenum">
+            <a:fld id="{1B2CB916-ED0D-4AEF-8625-66111ABF5364}" type="slidenum">
               <a:rPr lang="zh-CN" altLang="en-US" smtClean="0"/>
               <a:t>‹#›</a:t>
             </a:fld>
@@ -515,7 +515,7 @@
     </p:spTree>
     <p:extLst>
       <p:ext uri="{BB962C8B-B14F-4D97-AF65-F5344CB8AC3E}">
-        <p14:creationId xmlns:p14="http://schemas.microsoft.com/office/powerpoint/2010/main" val="1100964471"/>
+        <p14:creationId xmlns:p14="http://schemas.microsoft.com/office/powerpoint/2010/main" val="918536433"/>
       </p:ext>
     </p:extLst>
   </p:cSld>
@@ -547,7 +547,7 @@
           <p:cNvPr id="2" name="竖排标题 1">
             <a:extLst>
               <a:ext uri="{FF2B5EF4-FFF2-40B4-BE49-F238E27FC236}">
-                <a16:creationId xmlns:a16="http://schemas.microsoft.com/office/drawing/2014/main" id="{E0083AB2-2F02-1E8E-28B5-BE597A5C05EB}"/>
+                <a16:creationId xmlns:a16="http://schemas.microsoft.com/office/drawing/2014/main" id="{4CDC3E7B-95C1-8AF9-36A4-DB97455E9EA8}"/>
               </a:ext>
             </a:extLst>
           </p:cNvPr>
@@ -580,7 +580,7 @@
           <p:cNvPr id="3" name="竖排文字占位符 2">
             <a:extLst>
               <a:ext uri="{FF2B5EF4-FFF2-40B4-BE49-F238E27FC236}">
-                <a16:creationId xmlns:a16="http://schemas.microsoft.com/office/drawing/2014/main" id="{DA8E4597-6CA0-55C0-4E80-A6197C87FFDF}"/>
+                <a16:creationId xmlns:a16="http://schemas.microsoft.com/office/drawing/2014/main" id="{CAF1C094-FEC2-A0D2-5DE4-9918993C775A}"/>
               </a:ext>
             </a:extLst>
           </p:cNvPr>
@@ -642,7 +642,7 @@
           <p:cNvPr id="4" name="日期占位符 3">
             <a:extLst>
               <a:ext uri="{FF2B5EF4-FFF2-40B4-BE49-F238E27FC236}">
-                <a16:creationId xmlns:a16="http://schemas.microsoft.com/office/drawing/2014/main" id="{1D856911-A4B2-A695-7ECA-DF2A7FB0F245}"/>
+                <a16:creationId xmlns:a16="http://schemas.microsoft.com/office/drawing/2014/main" id="{51849EBB-9AE8-8BDC-DE86-AE1C7965D97B}"/>
               </a:ext>
             </a:extLst>
           </p:cNvPr>
@@ -658,7 +658,7 @@
           <a:bodyPr/>
           <a:lstStyle/>
           <a:p>
-            <a:fld id="{6874966D-011F-47C1-89F1-80095A0F9399}" type="datetimeFigureOut">
+            <a:fld id="{859C4300-A530-4BBB-849E-673E7A91E736}" type="datetimeFigureOut">
               <a:rPr lang="zh-CN" altLang="en-US" smtClean="0"/>
               <a:t>2024/3/10</a:t>
             </a:fld>
@@ -671,7 +671,7 @@
           <p:cNvPr id="5" name="页脚占位符 4">
             <a:extLst>
               <a:ext uri="{FF2B5EF4-FFF2-40B4-BE49-F238E27FC236}">
-                <a16:creationId xmlns:a16="http://schemas.microsoft.com/office/drawing/2014/main" id="{9CA38030-B6B6-B070-3ECC-C854BB7E6D94}"/>
+                <a16:creationId xmlns:a16="http://schemas.microsoft.com/office/drawing/2014/main" id="{93C8E941-E46D-1DF7-AE06-8C45E5DC14D5}"/>
               </a:ext>
             </a:extLst>
           </p:cNvPr>
@@ -696,7 +696,7 @@
           <p:cNvPr id="6" name="灯片编号占位符 5">
             <a:extLst>
               <a:ext uri="{FF2B5EF4-FFF2-40B4-BE49-F238E27FC236}">
-                <a16:creationId xmlns:a16="http://schemas.microsoft.com/office/drawing/2014/main" id="{B6443986-191B-C862-C3C7-11CCBDDB8891}"/>
+                <a16:creationId xmlns:a16="http://schemas.microsoft.com/office/drawing/2014/main" id="{08D60CA0-F031-EF44-9C0B-1A16FE2B9C25}"/>
               </a:ext>
             </a:extLst>
           </p:cNvPr>
@@ -712,7 +712,7 @@
           <a:bodyPr/>
           <a:lstStyle/>
           <a:p>
-            <a:fld id="{FD254F6E-AFEA-41D1-9612-DCA63B406D84}" type="slidenum">
+            <a:fld id="{1B2CB916-ED0D-4AEF-8625-66111ABF5364}" type="slidenum">
               <a:rPr lang="zh-CN" altLang="en-US" smtClean="0"/>
               <a:t>‹#›</a:t>
             </a:fld>
@@ -723,7 +723,7 @@
     </p:spTree>
     <p:extLst>
       <p:ext uri="{BB962C8B-B14F-4D97-AF65-F5344CB8AC3E}">
-        <p14:creationId xmlns:p14="http://schemas.microsoft.com/office/powerpoint/2010/main" val="560210690"/>
+        <p14:creationId xmlns:p14="http://schemas.microsoft.com/office/powerpoint/2010/main" val="3024839895"/>
       </p:ext>
     </p:extLst>
   </p:cSld>
@@ -755,7 +755,7 @@
           <p:cNvPr id="2" name="标题 1">
             <a:extLst>
               <a:ext uri="{FF2B5EF4-FFF2-40B4-BE49-F238E27FC236}">
-                <a16:creationId xmlns:a16="http://schemas.microsoft.com/office/drawing/2014/main" id="{EDCAF5FA-EA17-8D2E-7F52-9975F0F3DBD2}"/>
+                <a16:creationId xmlns:a16="http://schemas.microsoft.com/office/drawing/2014/main" id="{422E7456-FB62-8647-77FF-81F39A30FEFD}"/>
               </a:ext>
             </a:extLst>
           </p:cNvPr>
@@ -783,7 +783,7 @@
           <p:cNvPr id="3" name="内容占位符 2">
             <a:extLst>
               <a:ext uri="{FF2B5EF4-FFF2-40B4-BE49-F238E27FC236}">
-                <a16:creationId xmlns:a16="http://schemas.microsoft.com/office/drawing/2014/main" id="{085D23E1-2CC1-A4C1-A1C4-F85C3365CE02}"/>
+                <a16:creationId xmlns:a16="http://schemas.microsoft.com/office/drawing/2014/main" id="{EDCA600B-7B3B-721A-6AAA-039787D2F613}"/>
               </a:ext>
             </a:extLst>
           </p:cNvPr>
@@ -840,7 +840,7 @@
           <p:cNvPr id="4" name="日期占位符 3">
             <a:extLst>
               <a:ext uri="{FF2B5EF4-FFF2-40B4-BE49-F238E27FC236}">
-                <a16:creationId xmlns:a16="http://schemas.microsoft.com/office/drawing/2014/main" id="{9846FF01-B7A9-8B2D-FF6A-0911DFB1950F}"/>
+                <a16:creationId xmlns:a16="http://schemas.microsoft.com/office/drawing/2014/main" id="{A1E0D197-DCC7-7B80-76DD-64250AB966DD}"/>
               </a:ext>
             </a:extLst>
           </p:cNvPr>
@@ -856,7 +856,7 @@
           <a:bodyPr/>
           <a:lstStyle/>
           <a:p>
-            <a:fld id="{6874966D-011F-47C1-89F1-80095A0F9399}" type="datetimeFigureOut">
+            <a:fld id="{859C4300-A530-4BBB-849E-673E7A91E736}" type="datetimeFigureOut">
               <a:rPr lang="zh-CN" altLang="en-US" smtClean="0"/>
               <a:t>2024/3/10</a:t>
             </a:fld>
@@ -869,7 +869,7 @@
           <p:cNvPr id="5" name="页脚占位符 4">
             <a:extLst>
               <a:ext uri="{FF2B5EF4-FFF2-40B4-BE49-F238E27FC236}">
-                <a16:creationId xmlns:a16="http://schemas.microsoft.com/office/drawing/2014/main" id="{D369A1FA-EF8A-63EE-59BD-8590122101E4}"/>
+                <a16:creationId xmlns:a16="http://schemas.microsoft.com/office/drawing/2014/main" id="{2CDD8A3F-E6B8-0CAA-C1D2-65FC03C6FCCB}"/>
               </a:ext>
             </a:extLst>
           </p:cNvPr>
@@ -894,7 +894,7 @@
           <p:cNvPr id="6" name="灯片编号占位符 5">
             <a:extLst>
               <a:ext uri="{FF2B5EF4-FFF2-40B4-BE49-F238E27FC236}">
-                <a16:creationId xmlns:a16="http://schemas.microsoft.com/office/drawing/2014/main" id="{A7FA4BBA-FE2A-F8D3-F2F7-C5C62C334CD8}"/>
+                <a16:creationId xmlns:a16="http://schemas.microsoft.com/office/drawing/2014/main" id="{02690188-F53A-A3B6-763D-88363C5F95C8}"/>
               </a:ext>
             </a:extLst>
           </p:cNvPr>
@@ -910,7 +910,7 @@
           <a:bodyPr/>
           <a:lstStyle/>
           <a:p>
-            <a:fld id="{FD254F6E-AFEA-41D1-9612-DCA63B406D84}" type="slidenum">
+            <a:fld id="{1B2CB916-ED0D-4AEF-8625-66111ABF5364}" type="slidenum">
               <a:rPr lang="zh-CN" altLang="en-US" smtClean="0"/>
               <a:t>‹#›</a:t>
             </a:fld>
@@ -921,7 +921,7 @@
     </p:spTree>
     <p:extLst>
       <p:ext uri="{BB962C8B-B14F-4D97-AF65-F5344CB8AC3E}">
-        <p14:creationId xmlns:p14="http://schemas.microsoft.com/office/powerpoint/2010/main" val="565270181"/>
+        <p14:creationId xmlns:p14="http://schemas.microsoft.com/office/powerpoint/2010/main" val="436432009"/>
       </p:ext>
     </p:extLst>
   </p:cSld>
@@ -953,7 +953,7 @@
           <p:cNvPr id="2" name="标题 1">
             <a:extLst>
               <a:ext uri="{FF2B5EF4-FFF2-40B4-BE49-F238E27FC236}">
-                <a16:creationId xmlns:a16="http://schemas.microsoft.com/office/drawing/2014/main" id="{253AA4EA-392B-88D5-3E03-BB9519238E05}"/>
+                <a16:creationId xmlns:a16="http://schemas.microsoft.com/office/drawing/2014/main" id="{400507DA-D6AD-5BE9-A1B4-B62227B34D6E}"/>
               </a:ext>
             </a:extLst>
           </p:cNvPr>
@@ -990,7 +990,7 @@
           <p:cNvPr id="3" name="文本占位符 2">
             <a:extLst>
               <a:ext uri="{FF2B5EF4-FFF2-40B4-BE49-F238E27FC236}">
-                <a16:creationId xmlns:a16="http://schemas.microsoft.com/office/drawing/2014/main" id="{F87ACE21-CDB5-419F-B1DF-7CA5334DFB62}"/>
+                <a16:creationId xmlns:a16="http://schemas.microsoft.com/office/drawing/2014/main" id="{63DB5E0D-E3F7-DA94-854E-4D54D378BDD8}"/>
               </a:ext>
             </a:extLst>
           </p:cNvPr>
@@ -1115,7 +1115,7 @@
           <p:cNvPr id="4" name="日期占位符 3">
             <a:extLst>
               <a:ext uri="{FF2B5EF4-FFF2-40B4-BE49-F238E27FC236}">
-                <a16:creationId xmlns:a16="http://schemas.microsoft.com/office/drawing/2014/main" id="{F4DC0210-1293-9CB1-2EB4-76DDDF6FD2A6}"/>
+                <a16:creationId xmlns:a16="http://schemas.microsoft.com/office/drawing/2014/main" id="{E6965D2C-D2C6-8582-CE5B-0B13A8076239}"/>
               </a:ext>
             </a:extLst>
           </p:cNvPr>
@@ -1131,7 +1131,7 @@
           <a:bodyPr/>
           <a:lstStyle/>
           <a:p>
-            <a:fld id="{6874966D-011F-47C1-89F1-80095A0F9399}" type="datetimeFigureOut">
+            <a:fld id="{859C4300-A530-4BBB-849E-673E7A91E736}" type="datetimeFigureOut">
               <a:rPr lang="zh-CN" altLang="en-US" smtClean="0"/>
               <a:t>2024/3/10</a:t>
             </a:fld>
@@ -1144,7 +1144,7 @@
           <p:cNvPr id="5" name="页脚占位符 4">
             <a:extLst>
               <a:ext uri="{FF2B5EF4-FFF2-40B4-BE49-F238E27FC236}">
-                <a16:creationId xmlns:a16="http://schemas.microsoft.com/office/drawing/2014/main" id="{E878A8C5-93AE-E9E3-C4C5-7D3FAF6F61B3}"/>
+                <a16:creationId xmlns:a16="http://schemas.microsoft.com/office/drawing/2014/main" id="{5496197B-7030-4040-3A55-BFC70C71B95D}"/>
               </a:ext>
             </a:extLst>
           </p:cNvPr>
@@ -1169,7 +1169,7 @@
           <p:cNvPr id="6" name="灯片编号占位符 5">
             <a:extLst>
               <a:ext uri="{FF2B5EF4-FFF2-40B4-BE49-F238E27FC236}">
-                <a16:creationId xmlns:a16="http://schemas.microsoft.com/office/drawing/2014/main" id="{38A9A13B-FA4F-601B-D102-5B983C576CB1}"/>
+                <a16:creationId xmlns:a16="http://schemas.microsoft.com/office/drawing/2014/main" id="{4EA25CB6-FF80-41BF-110D-24624A54E165}"/>
               </a:ext>
             </a:extLst>
           </p:cNvPr>
@@ -1185,7 +1185,7 @@
           <a:bodyPr/>
           <a:lstStyle/>
           <a:p>
-            <a:fld id="{FD254F6E-AFEA-41D1-9612-DCA63B406D84}" type="slidenum">
+            <a:fld id="{1B2CB916-ED0D-4AEF-8625-66111ABF5364}" type="slidenum">
               <a:rPr lang="zh-CN" altLang="en-US" smtClean="0"/>
               <a:t>‹#›</a:t>
             </a:fld>
@@ -1196,7 +1196,7 @@
     </p:spTree>
     <p:extLst>
       <p:ext uri="{BB962C8B-B14F-4D97-AF65-F5344CB8AC3E}">
-        <p14:creationId xmlns:p14="http://schemas.microsoft.com/office/powerpoint/2010/main" val="445243312"/>
+        <p14:creationId xmlns:p14="http://schemas.microsoft.com/office/powerpoint/2010/main" val="3807036418"/>
       </p:ext>
     </p:extLst>
   </p:cSld>
@@ -1228,7 +1228,7 @@
           <p:cNvPr id="2" name="标题 1">
             <a:extLst>
               <a:ext uri="{FF2B5EF4-FFF2-40B4-BE49-F238E27FC236}">
-                <a16:creationId xmlns:a16="http://schemas.microsoft.com/office/drawing/2014/main" id="{A5EF8054-3E7A-4283-59BE-2019566AC37E}"/>
+                <a16:creationId xmlns:a16="http://schemas.microsoft.com/office/drawing/2014/main" id="{6EB05386-2181-E534-B8FF-FC719916BCCE}"/>
               </a:ext>
             </a:extLst>
           </p:cNvPr>
@@ -1256,7 +1256,7 @@
           <p:cNvPr id="3" name="内容占位符 2">
             <a:extLst>
               <a:ext uri="{FF2B5EF4-FFF2-40B4-BE49-F238E27FC236}">
-                <a16:creationId xmlns:a16="http://schemas.microsoft.com/office/drawing/2014/main" id="{0E99F494-AB4C-C28B-5208-DC34725669A2}"/>
+                <a16:creationId xmlns:a16="http://schemas.microsoft.com/office/drawing/2014/main" id="{72D17B1E-5DCE-1CD6-3033-43A713354090}"/>
               </a:ext>
             </a:extLst>
           </p:cNvPr>
@@ -1318,7 +1318,7 @@
           <p:cNvPr id="4" name="内容占位符 3">
             <a:extLst>
               <a:ext uri="{FF2B5EF4-FFF2-40B4-BE49-F238E27FC236}">
-                <a16:creationId xmlns:a16="http://schemas.microsoft.com/office/drawing/2014/main" id="{5AAC2812-AECD-7BD8-0E6B-09A2BA7B3B94}"/>
+                <a16:creationId xmlns:a16="http://schemas.microsoft.com/office/drawing/2014/main" id="{37758906-7C09-B37F-7017-81E353EE0D5E}"/>
               </a:ext>
             </a:extLst>
           </p:cNvPr>
@@ -1380,7 +1380,7 @@
           <p:cNvPr id="5" name="日期占位符 4">
             <a:extLst>
               <a:ext uri="{FF2B5EF4-FFF2-40B4-BE49-F238E27FC236}">
-                <a16:creationId xmlns:a16="http://schemas.microsoft.com/office/drawing/2014/main" id="{F2CC7F89-1AF8-DD50-1167-481484ECE32D}"/>
+                <a16:creationId xmlns:a16="http://schemas.microsoft.com/office/drawing/2014/main" id="{E3024A08-D366-DE88-458F-F4D758B0DD31}"/>
               </a:ext>
             </a:extLst>
           </p:cNvPr>
@@ -1396,7 +1396,7 @@
           <a:bodyPr/>
           <a:lstStyle/>
           <a:p>
-            <a:fld id="{6874966D-011F-47C1-89F1-80095A0F9399}" type="datetimeFigureOut">
+            <a:fld id="{859C4300-A530-4BBB-849E-673E7A91E736}" type="datetimeFigureOut">
               <a:rPr lang="zh-CN" altLang="en-US" smtClean="0"/>
               <a:t>2024/3/10</a:t>
             </a:fld>
@@ -1409,7 +1409,7 @@
           <p:cNvPr id="6" name="页脚占位符 5">
             <a:extLst>
               <a:ext uri="{FF2B5EF4-FFF2-40B4-BE49-F238E27FC236}">
-                <a16:creationId xmlns:a16="http://schemas.microsoft.com/office/drawing/2014/main" id="{1326E678-1DFD-77F8-7E64-D628AB1E6D06}"/>
+                <a16:creationId xmlns:a16="http://schemas.microsoft.com/office/drawing/2014/main" id="{98CEF650-C984-7289-BBE9-DA7CCD0E2B98}"/>
               </a:ext>
             </a:extLst>
           </p:cNvPr>
@@ -1434,7 +1434,7 @@
           <p:cNvPr id="7" name="灯片编号占位符 6">
             <a:extLst>
               <a:ext uri="{FF2B5EF4-FFF2-40B4-BE49-F238E27FC236}">
-                <a16:creationId xmlns:a16="http://schemas.microsoft.com/office/drawing/2014/main" id="{2637C2AF-457F-D75E-146B-2DE137CC2610}"/>
+                <a16:creationId xmlns:a16="http://schemas.microsoft.com/office/drawing/2014/main" id="{D2B01AAE-A3CB-AE30-8E26-B2DB7F0C6E84}"/>
               </a:ext>
             </a:extLst>
           </p:cNvPr>
@@ -1450,7 +1450,7 @@
           <a:bodyPr/>
           <a:lstStyle/>
           <a:p>
-            <a:fld id="{FD254F6E-AFEA-41D1-9612-DCA63B406D84}" type="slidenum">
+            <a:fld id="{1B2CB916-ED0D-4AEF-8625-66111ABF5364}" type="slidenum">
               <a:rPr lang="zh-CN" altLang="en-US" smtClean="0"/>
               <a:t>‹#›</a:t>
             </a:fld>
@@ -1461,7 +1461,7 @@
     </p:spTree>
     <p:extLst>
       <p:ext uri="{BB962C8B-B14F-4D97-AF65-F5344CB8AC3E}">
-        <p14:creationId xmlns:p14="http://schemas.microsoft.com/office/powerpoint/2010/main" val="619682492"/>
+        <p14:creationId xmlns:p14="http://schemas.microsoft.com/office/powerpoint/2010/main" val="3308244666"/>
       </p:ext>
     </p:extLst>
   </p:cSld>
@@ -1493,7 +1493,7 @@
           <p:cNvPr id="2" name="标题 1">
             <a:extLst>
               <a:ext uri="{FF2B5EF4-FFF2-40B4-BE49-F238E27FC236}">
-                <a16:creationId xmlns:a16="http://schemas.microsoft.com/office/drawing/2014/main" id="{1042AB99-A26C-DE4D-8A3A-26437B8BA92D}"/>
+                <a16:creationId xmlns:a16="http://schemas.microsoft.com/office/drawing/2014/main" id="{F380132D-1E6D-AE5E-B2E3-65FFB112B10A}"/>
               </a:ext>
             </a:extLst>
           </p:cNvPr>
@@ -1526,7 +1526,7 @@
           <p:cNvPr id="3" name="文本占位符 2">
             <a:extLst>
               <a:ext uri="{FF2B5EF4-FFF2-40B4-BE49-F238E27FC236}">
-                <a16:creationId xmlns:a16="http://schemas.microsoft.com/office/drawing/2014/main" id="{E338EF30-8E43-72BE-15B0-4A000C5DD5D5}"/>
+                <a16:creationId xmlns:a16="http://schemas.microsoft.com/office/drawing/2014/main" id="{84F7368D-D0D1-23A0-0D1A-2CCB04EAFB8A}"/>
               </a:ext>
             </a:extLst>
           </p:cNvPr>
@@ -1597,7 +1597,7 @@
           <p:cNvPr id="4" name="内容占位符 3">
             <a:extLst>
               <a:ext uri="{FF2B5EF4-FFF2-40B4-BE49-F238E27FC236}">
-                <a16:creationId xmlns:a16="http://schemas.microsoft.com/office/drawing/2014/main" id="{199221DD-D73A-B883-7901-287D8C554F40}"/>
+                <a16:creationId xmlns:a16="http://schemas.microsoft.com/office/drawing/2014/main" id="{2D9698ED-3353-EB5C-79D3-657D1F1CF6CF}"/>
               </a:ext>
             </a:extLst>
           </p:cNvPr>
@@ -1659,7 +1659,7 @@
           <p:cNvPr id="5" name="文本占位符 4">
             <a:extLst>
               <a:ext uri="{FF2B5EF4-FFF2-40B4-BE49-F238E27FC236}">
-                <a16:creationId xmlns:a16="http://schemas.microsoft.com/office/drawing/2014/main" id="{CAE1D1B3-27D6-1286-FF60-73A820677D17}"/>
+                <a16:creationId xmlns:a16="http://schemas.microsoft.com/office/drawing/2014/main" id="{B6A3F17D-AADF-76DA-52F1-1D49E12C5185}"/>
               </a:ext>
             </a:extLst>
           </p:cNvPr>
@@ -1730,7 +1730,7 @@
           <p:cNvPr id="6" name="内容占位符 5">
             <a:extLst>
               <a:ext uri="{FF2B5EF4-FFF2-40B4-BE49-F238E27FC236}">
-                <a16:creationId xmlns:a16="http://schemas.microsoft.com/office/drawing/2014/main" id="{E98F8BBB-59FF-333E-872E-269AFC7C3D5B}"/>
+                <a16:creationId xmlns:a16="http://schemas.microsoft.com/office/drawing/2014/main" id="{01B1D4E9-CB21-5246-5ECA-8E60FC67F37B}"/>
               </a:ext>
             </a:extLst>
           </p:cNvPr>
@@ -1792,7 +1792,7 @@
           <p:cNvPr id="7" name="日期占位符 6">
             <a:extLst>
               <a:ext uri="{FF2B5EF4-FFF2-40B4-BE49-F238E27FC236}">
-                <a16:creationId xmlns:a16="http://schemas.microsoft.com/office/drawing/2014/main" id="{79F5EEC2-7E34-281A-3B24-95A60A901673}"/>
+                <a16:creationId xmlns:a16="http://schemas.microsoft.com/office/drawing/2014/main" id="{4A512B09-C8DB-240B-964C-59519356671B}"/>
               </a:ext>
             </a:extLst>
           </p:cNvPr>
@@ -1808,7 +1808,7 @@
           <a:bodyPr/>
           <a:lstStyle/>
           <a:p>
-            <a:fld id="{6874966D-011F-47C1-89F1-80095A0F9399}" type="datetimeFigureOut">
+            <a:fld id="{859C4300-A530-4BBB-849E-673E7A91E736}" type="datetimeFigureOut">
               <a:rPr lang="zh-CN" altLang="en-US" smtClean="0"/>
               <a:t>2024/3/10</a:t>
             </a:fld>
@@ -1821,7 +1821,7 @@
           <p:cNvPr id="8" name="页脚占位符 7">
             <a:extLst>
               <a:ext uri="{FF2B5EF4-FFF2-40B4-BE49-F238E27FC236}">
-                <a16:creationId xmlns:a16="http://schemas.microsoft.com/office/drawing/2014/main" id="{3592236C-E2B5-24D8-7556-D2AB69AAB875}"/>
+                <a16:creationId xmlns:a16="http://schemas.microsoft.com/office/drawing/2014/main" id="{AE0F386A-E4D9-2F8D-3C19-DA3F2ACE4D4C}"/>
               </a:ext>
             </a:extLst>
           </p:cNvPr>
@@ -1846,7 +1846,7 @@
           <p:cNvPr id="9" name="灯片编号占位符 8">
             <a:extLst>
               <a:ext uri="{FF2B5EF4-FFF2-40B4-BE49-F238E27FC236}">
-                <a16:creationId xmlns:a16="http://schemas.microsoft.com/office/drawing/2014/main" id="{0170306D-171A-4EB1-C157-645DBE61A11C}"/>
+                <a16:creationId xmlns:a16="http://schemas.microsoft.com/office/drawing/2014/main" id="{06F68D4D-65E0-CFDC-5840-A4E4139344B1}"/>
               </a:ext>
             </a:extLst>
           </p:cNvPr>
@@ -1862,7 +1862,7 @@
           <a:bodyPr/>
           <a:lstStyle/>
           <a:p>
-            <a:fld id="{FD254F6E-AFEA-41D1-9612-DCA63B406D84}" type="slidenum">
+            <a:fld id="{1B2CB916-ED0D-4AEF-8625-66111ABF5364}" type="slidenum">
               <a:rPr lang="zh-CN" altLang="en-US" smtClean="0"/>
               <a:t>‹#›</a:t>
             </a:fld>
@@ -1873,7 +1873,7 @@
     </p:spTree>
     <p:extLst>
       <p:ext uri="{BB962C8B-B14F-4D97-AF65-F5344CB8AC3E}">
-        <p14:creationId xmlns:p14="http://schemas.microsoft.com/office/powerpoint/2010/main" val="3522970340"/>
+        <p14:creationId xmlns:p14="http://schemas.microsoft.com/office/powerpoint/2010/main" val="1221418903"/>
       </p:ext>
     </p:extLst>
   </p:cSld>
@@ -1905,7 +1905,7 @@
           <p:cNvPr id="2" name="标题 1">
             <a:extLst>
               <a:ext uri="{FF2B5EF4-FFF2-40B4-BE49-F238E27FC236}">
-                <a16:creationId xmlns:a16="http://schemas.microsoft.com/office/drawing/2014/main" id="{8BD2F010-C921-5E66-71C2-C602B7BBC13C}"/>
+                <a16:creationId xmlns:a16="http://schemas.microsoft.com/office/drawing/2014/main" id="{408A7EFE-F017-473F-0D64-FCE610730727}"/>
               </a:ext>
             </a:extLst>
           </p:cNvPr>
@@ -1933,7 +1933,7 @@
           <p:cNvPr id="3" name="日期占位符 2">
             <a:extLst>
               <a:ext uri="{FF2B5EF4-FFF2-40B4-BE49-F238E27FC236}">
-                <a16:creationId xmlns:a16="http://schemas.microsoft.com/office/drawing/2014/main" id="{C10BFAAC-0916-5AF9-CABD-CE20E62AB11C}"/>
+                <a16:creationId xmlns:a16="http://schemas.microsoft.com/office/drawing/2014/main" id="{0268B82F-4AAC-57E9-93A1-73E02F224D27}"/>
               </a:ext>
             </a:extLst>
           </p:cNvPr>
@@ -1949,7 +1949,7 @@
           <a:bodyPr/>
           <a:lstStyle/>
           <a:p>
-            <a:fld id="{6874966D-011F-47C1-89F1-80095A0F9399}" type="datetimeFigureOut">
+            <a:fld id="{859C4300-A530-4BBB-849E-673E7A91E736}" type="datetimeFigureOut">
               <a:rPr lang="zh-CN" altLang="en-US" smtClean="0"/>
               <a:t>2024/3/10</a:t>
             </a:fld>
@@ -1962,7 +1962,7 @@
           <p:cNvPr id="4" name="页脚占位符 3">
             <a:extLst>
               <a:ext uri="{FF2B5EF4-FFF2-40B4-BE49-F238E27FC236}">
-                <a16:creationId xmlns:a16="http://schemas.microsoft.com/office/drawing/2014/main" id="{A37CB4BC-B2C9-D347-49D8-06BD1D2CE634}"/>
+                <a16:creationId xmlns:a16="http://schemas.microsoft.com/office/drawing/2014/main" id="{30E1CE03-2B0E-691D-8DF6-C72227CCE369}"/>
               </a:ext>
             </a:extLst>
           </p:cNvPr>
@@ -1987,7 +1987,7 @@
           <p:cNvPr id="5" name="灯片编号占位符 4">
             <a:extLst>
               <a:ext uri="{FF2B5EF4-FFF2-40B4-BE49-F238E27FC236}">
-                <a16:creationId xmlns:a16="http://schemas.microsoft.com/office/drawing/2014/main" id="{600C8215-08D3-ED67-F2ED-07EBDC847002}"/>
+                <a16:creationId xmlns:a16="http://schemas.microsoft.com/office/drawing/2014/main" id="{CED748C9-B1AD-26A4-8BD5-0D02114B677D}"/>
               </a:ext>
             </a:extLst>
           </p:cNvPr>
@@ -2003,7 +2003,7 @@
           <a:bodyPr/>
           <a:lstStyle/>
           <a:p>
-            <a:fld id="{FD254F6E-AFEA-41D1-9612-DCA63B406D84}" type="slidenum">
+            <a:fld id="{1B2CB916-ED0D-4AEF-8625-66111ABF5364}" type="slidenum">
               <a:rPr lang="zh-CN" altLang="en-US" smtClean="0"/>
               <a:t>‹#›</a:t>
             </a:fld>
@@ -2014,7 +2014,7 @@
     </p:spTree>
     <p:extLst>
       <p:ext uri="{BB962C8B-B14F-4D97-AF65-F5344CB8AC3E}">
-        <p14:creationId xmlns:p14="http://schemas.microsoft.com/office/powerpoint/2010/main" val="2990970235"/>
+        <p14:creationId xmlns:p14="http://schemas.microsoft.com/office/powerpoint/2010/main" val="3608080334"/>
       </p:ext>
     </p:extLst>
   </p:cSld>
@@ -2046,7 +2046,7 @@
           <p:cNvPr id="2" name="日期占位符 1">
             <a:extLst>
               <a:ext uri="{FF2B5EF4-FFF2-40B4-BE49-F238E27FC236}">
-                <a16:creationId xmlns:a16="http://schemas.microsoft.com/office/drawing/2014/main" id="{BF08DAED-8994-9565-5EFE-A2E4F39F16C8}"/>
+                <a16:creationId xmlns:a16="http://schemas.microsoft.com/office/drawing/2014/main" id="{F4891257-2212-92DD-8450-3F10AA7467E7}"/>
               </a:ext>
             </a:extLst>
           </p:cNvPr>
@@ -2062,7 +2062,7 @@
           <a:bodyPr/>
           <a:lstStyle/>
           <a:p>
-            <a:fld id="{6874966D-011F-47C1-89F1-80095A0F9399}" type="datetimeFigureOut">
+            <a:fld id="{859C4300-A530-4BBB-849E-673E7A91E736}" type="datetimeFigureOut">
               <a:rPr lang="zh-CN" altLang="en-US" smtClean="0"/>
               <a:t>2024/3/10</a:t>
             </a:fld>
@@ -2075,7 +2075,7 @@
           <p:cNvPr id="3" name="页脚占位符 2">
             <a:extLst>
               <a:ext uri="{FF2B5EF4-FFF2-40B4-BE49-F238E27FC236}">
-                <a16:creationId xmlns:a16="http://schemas.microsoft.com/office/drawing/2014/main" id="{F713E328-D746-708B-B3B5-6D6053E9663C}"/>
+                <a16:creationId xmlns:a16="http://schemas.microsoft.com/office/drawing/2014/main" id="{1BE6242E-AE49-6BE2-75CF-B55331AADC88}"/>
               </a:ext>
             </a:extLst>
           </p:cNvPr>
@@ -2100,7 +2100,7 @@
           <p:cNvPr id="4" name="灯片编号占位符 3">
             <a:extLst>
               <a:ext uri="{FF2B5EF4-FFF2-40B4-BE49-F238E27FC236}">
-                <a16:creationId xmlns:a16="http://schemas.microsoft.com/office/drawing/2014/main" id="{F92389DA-7305-1FA5-4584-3A089DFECEB6}"/>
+                <a16:creationId xmlns:a16="http://schemas.microsoft.com/office/drawing/2014/main" id="{565FFB36-8ACE-5B28-6DAE-9D5850E96D2B}"/>
               </a:ext>
             </a:extLst>
           </p:cNvPr>
@@ -2116,7 +2116,7 @@
           <a:bodyPr/>
           <a:lstStyle/>
           <a:p>
-            <a:fld id="{FD254F6E-AFEA-41D1-9612-DCA63B406D84}" type="slidenum">
+            <a:fld id="{1B2CB916-ED0D-4AEF-8625-66111ABF5364}" type="slidenum">
               <a:rPr lang="zh-CN" altLang="en-US" smtClean="0"/>
               <a:t>‹#›</a:t>
             </a:fld>
@@ -2127,7 +2127,7 @@
     </p:spTree>
     <p:extLst>
       <p:ext uri="{BB962C8B-B14F-4D97-AF65-F5344CB8AC3E}">
-        <p14:creationId xmlns:p14="http://schemas.microsoft.com/office/powerpoint/2010/main" val="777542008"/>
+        <p14:creationId xmlns:p14="http://schemas.microsoft.com/office/powerpoint/2010/main" val="3196231111"/>
       </p:ext>
     </p:extLst>
   </p:cSld>
@@ -2159,7 +2159,7 @@
           <p:cNvPr id="2" name="标题 1">
             <a:extLst>
               <a:ext uri="{FF2B5EF4-FFF2-40B4-BE49-F238E27FC236}">
-                <a16:creationId xmlns:a16="http://schemas.microsoft.com/office/drawing/2014/main" id="{FA1D00EA-75BE-DF32-01A2-C61EAB74F1AE}"/>
+                <a16:creationId xmlns:a16="http://schemas.microsoft.com/office/drawing/2014/main" id="{04A2F82D-EEA3-EBF5-BCBF-0C817EA6F3A8}"/>
               </a:ext>
             </a:extLst>
           </p:cNvPr>
@@ -2196,7 +2196,7 @@
           <p:cNvPr id="3" name="内容占位符 2">
             <a:extLst>
               <a:ext uri="{FF2B5EF4-FFF2-40B4-BE49-F238E27FC236}">
-                <a16:creationId xmlns:a16="http://schemas.microsoft.com/office/drawing/2014/main" id="{A6A3DAC1-64EC-EA2D-E234-87DC9646EA47}"/>
+                <a16:creationId xmlns:a16="http://schemas.microsoft.com/office/drawing/2014/main" id="{E88D0627-F7D4-9639-9A6A-B65C47935E72}"/>
               </a:ext>
             </a:extLst>
           </p:cNvPr>
@@ -2286,7 +2286,7 @@
           <p:cNvPr id="4" name="文本占位符 3">
             <a:extLst>
               <a:ext uri="{FF2B5EF4-FFF2-40B4-BE49-F238E27FC236}">
-                <a16:creationId xmlns:a16="http://schemas.microsoft.com/office/drawing/2014/main" id="{78250EC9-E0F8-E766-2F3C-DA328ADD609A}"/>
+                <a16:creationId xmlns:a16="http://schemas.microsoft.com/office/drawing/2014/main" id="{52BB3D53-3E02-F871-DDAE-21CC65694366}"/>
               </a:ext>
             </a:extLst>
           </p:cNvPr>
@@ -2357,7 +2357,7 @@
           <p:cNvPr id="5" name="日期占位符 4">
             <a:extLst>
               <a:ext uri="{FF2B5EF4-FFF2-40B4-BE49-F238E27FC236}">
-                <a16:creationId xmlns:a16="http://schemas.microsoft.com/office/drawing/2014/main" id="{A1843CBE-E6BF-D93E-E034-3D4892114915}"/>
+                <a16:creationId xmlns:a16="http://schemas.microsoft.com/office/drawing/2014/main" id="{58D71B15-A572-3463-6240-06A2CC1AF65D}"/>
               </a:ext>
             </a:extLst>
           </p:cNvPr>
@@ -2373,7 +2373,7 @@
           <a:bodyPr/>
           <a:lstStyle/>
           <a:p>
-            <a:fld id="{6874966D-011F-47C1-89F1-80095A0F9399}" type="datetimeFigureOut">
+            <a:fld id="{859C4300-A530-4BBB-849E-673E7A91E736}" type="datetimeFigureOut">
               <a:rPr lang="zh-CN" altLang="en-US" smtClean="0"/>
               <a:t>2024/3/10</a:t>
             </a:fld>
@@ -2386,7 +2386,7 @@
           <p:cNvPr id="6" name="页脚占位符 5">
             <a:extLst>
               <a:ext uri="{FF2B5EF4-FFF2-40B4-BE49-F238E27FC236}">
-                <a16:creationId xmlns:a16="http://schemas.microsoft.com/office/drawing/2014/main" id="{276CBE65-AEC0-6039-29BE-4395FEB714B9}"/>
+                <a16:creationId xmlns:a16="http://schemas.microsoft.com/office/drawing/2014/main" id="{BBF0B07D-5672-C3ED-2591-E0734ECDA816}"/>
               </a:ext>
             </a:extLst>
           </p:cNvPr>
@@ -2411,7 +2411,7 @@
           <p:cNvPr id="7" name="灯片编号占位符 6">
             <a:extLst>
               <a:ext uri="{FF2B5EF4-FFF2-40B4-BE49-F238E27FC236}">
-                <a16:creationId xmlns:a16="http://schemas.microsoft.com/office/drawing/2014/main" id="{B2A9B278-DCE2-0186-5D58-798F99D8505E}"/>
+                <a16:creationId xmlns:a16="http://schemas.microsoft.com/office/drawing/2014/main" id="{9BA98F8D-65E0-1656-5F78-ABD2F86592A6}"/>
               </a:ext>
             </a:extLst>
           </p:cNvPr>
@@ -2427,7 +2427,7 @@
           <a:bodyPr/>
           <a:lstStyle/>
           <a:p>
-            <a:fld id="{FD254F6E-AFEA-41D1-9612-DCA63B406D84}" type="slidenum">
+            <a:fld id="{1B2CB916-ED0D-4AEF-8625-66111ABF5364}" type="slidenum">
               <a:rPr lang="zh-CN" altLang="en-US" smtClean="0"/>
               <a:t>‹#›</a:t>
             </a:fld>
@@ -2438,7 +2438,7 @@
     </p:spTree>
     <p:extLst>
       <p:ext uri="{BB962C8B-B14F-4D97-AF65-F5344CB8AC3E}">
-        <p14:creationId xmlns:p14="http://schemas.microsoft.com/office/powerpoint/2010/main" val="1325655775"/>
+        <p14:creationId xmlns:p14="http://schemas.microsoft.com/office/powerpoint/2010/main" val="1848695150"/>
       </p:ext>
     </p:extLst>
   </p:cSld>
@@ -2470,7 +2470,7 @@
           <p:cNvPr id="2" name="标题 1">
             <a:extLst>
               <a:ext uri="{FF2B5EF4-FFF2-40B4-BE49-F238E27FC236}">
-                <a16:creationId xmlns:a16="http://schemas.microsoft.com/office/drawing/2014/main" id="{E98C375C-8694-A992-487C-03BBF3925116}"/>
+                <a16:creationId xmlns:a16="http://schemas.microsoft.com/office/drawing/2014/main" id="{DCA2A699-5442-C069-5DB8-776FBD758D92}"/>
               </a:ext>
             </a:extLst>
           </p:cNvPr>
@@ -2507,7 +2507,7 @@
           <p:cNvPr id="3" name="图片占位符 2">
             <a:extLst>
               <a:ext uri="{FF2B5EF4-FFF2-40B4-BE49-F238E27FC236}">
-                <a16:creationId xmlns:a16="http://schemas.microsoft.com/office/drawing/2014/main" id="{4064D765-955F-9740-8EBD-575873FA2DBB}"/>
+                <a16:creationId xmlns:a16="http://schemas.microsoft.com/office/drawing/2014/main" id="{0C067538-0944-A7AB-94AA-889931257337}"/>
               </a:ext>
             </a:extLst>
           </p:cNvPr>
@@ -2574,7 +2574,7 @@
           <p:cNvPr id="4" name="文本占位符 3">
             <a:extLst>
               <a:ext uri="{FF2B5EF4-FFF2-40B4-BE49-F238E27FC236}">
-                <a16:creationId xmlns:a16="http://schemas.microsoft.com/office/drawing/2014/main" id="{670E52D7-E488-316E-71BF-3ED4759BFB6F}"/>
+                <a16:creationId xmlns:a16="http://schemas.microsoft.com/office/drawing/2014/main" id="{82BB0B72-4F55-4DDA-44B1-C13D736729CE}"/>
               </a:ext>
             </a:extLst>
           </p:cNvPr>
@@ -2645,7 +2645,7 @@
           <p:cNvPr id="5" name="日期占位符 4">
             <a:extLst>
               <a:ext uri="{FF2B5EF4-FFF2-40B4-BE49-F238E27FC236}">
-                <a16:creationId xmlns:a16="http://schemas.microsoft.com/office/drawing/2014/main" id="{7235D1B2-6E9D-ED9E-AB5D-B0A05A60B11C}"/>
+                <a16:creationId xmlns:a16="http://schemas.microsoft.com/office/drawing/2014/main" id="{5491FD8E-C3E6-F8CE-F1F2-6F18C792753B}"/>
               </a:ext>
             </a:extLst>
           </p:cNvPr>
@@ -2661,7 +2661,7 @@
           <a:bodyPr/>
           <a:lstStyle/>
           <a:p>
-            <a:fld id="{6874966D-011F-47C1-89F1-80095A0F9399}" type="datetimeFigureOut">
+            <a:fld id="{859C4300-A530-4BBB-849E-673E7A91E736}" type="datetimeFigureOut">
               <a:rPr lang="zh-CN" altLang="en-US" smtClean="0"/>
               <a:t>2024/3/10</a:t>
             </a:fld>
@@ -2674,7 +2674,7 @@
           <p:cNvPr id="6" name="页脚占位符 5">
             <a:extLst>
               <a:ext uri="{FF2B5EF4-FFF2-40B4-BE49-F238E27FC236}">
-                <a16:creationId xmlns:a16="http://schemas.microsoft.com/office/drawing/2014/main" id="{85631E3E-BC8D-D291-FB18-2DA2806762CC}"/>
+                <a16:creationId xmlns:a16="http://schemas.microsoft.com/office/drawing/2014/main" id="{3DB6CBB2-CA31-C255-3A9B-978D7F70E74C}"/>
               </a:ext>
             </a:extLst>
           </p:cNvPr>
@@ -2699,7 +2699,7 @@
           <p:cNvPr id="7" name="灯片编号占位符 6">
             <a:extLst>
               <a:ext uri="{FF2B5EF4-FFF2-40B4-BE49-F238E27FC236}">
-                <a16:creationId xmlns:a16="http://schemas.microsoft.com/office/drawing/2014/main" id="{4CC526CF-0804-CA9D-2AA5-718C6DCFF9D4}"/>
+                <a16:creationId xmlns:a16="http://schemas.microsoft.com/office/drawing/2014/main" id="{6B49EAC6-9C20-E49D-D6C8-F8CADD5AE41F}"/>
               </a:ext>
             </a:extLst>
           </p:cNvPr>
@@ -2715,7 +2715,7 @@
           <a:bodyPr/>
           <a:lstStyle/>
           <a:p>
-            <a:fld id="{FD254F6E-AFEA-41D1-9612-DCA63B406D84}" type="slidenum">
+            <a:fld id="{1B2CB916-ED0D-4AEF-8625-66111ABF5364}" type="slidenum">
               <a:rPr lang="zh-CN" altLang="en-US" smtClean="0"/>
               <a:t>‹#›</a:t>
             </a:fld>
@@ -2726,7 +2726,7 @@
     </p:spTree>
     <p:extLst>
       <p:ext uri="{BB962C8B-B14F-4D97-AF65-F5344CB8AC3E}">
-        <p14:creationId xmlns:p14="http://schemas.microsoft.com/office/powerpoint/2010/main" val="22295666"/>
+        <p14:creationId xmlns:p14="http://schemas.microsoft.com/office/powerpoint/2010/main" val="2733722810"/>
       </p:ext>
     </p:extLst>
   </p:cSld>
@@ -2763,7 +2763,7 @@
           <p:cNvPr id="2" name="标题占位符 1">
             <a:extLst>
               <a:ext uri="{FF2B5EF4-FFF2-40B4-BE49-F238E27FC236}">
-                <a16:creationId xmlns:a16="http://schemas.microsoft.com/office/drawing/2014/main" id="{F4F40B41-BD01-39EE-BB34-9B6088D2F72D}"/>
+                <a16:creationId xmlns:a16="http://schemas.microsoft.com/office/drawing/2014/main" id="{3EF4B447-4D0D-45E7-6AA4-810176F11549}"/>
               </a:ext>
             </a:extLst>
           </p:cNvPr>
@@ -2801,7 +2801,7 @@
           <p:cNvPr id="3" name="文本占位符 2">
             <a:extLst>
               <a:ext uri="{FF2B5EF4-FFF2-40B4-BE49-F238E27FC236}">
-                <a16:creationId xmlns:a16="http://schemas.microsoft.com/office/drawing/2014/main" id="{11913111-7B42-F725-2250-7456862A7449}"/>
+                <a16:creationId xmlns:a16="http://schemas.microsoft.com/office/drawing/2014/main" id="{41F9084C-5DDB-25A4-8316-B349B2BED822}"/>
               </a:ext>
             </a:extLst>
           </p:cNvPr>
@@ -2868,7 +2868,7 @@
           <p:cNvPr id="4" name="日期占位符 3">
             <a:extLst>
               <a:ext uri="{FF2B5EF4-FFF2-40B4-BE49-F238E27FC236}">
-                <a16:creationId xmlns:a16="http://schemas.microsoft.com/office/drawing/2014/main" id="{6E26AA85-0F12-0FB0-C54F-64F5B4A201B9}"/>
+                <a16:creationId xmlns:a16="http://schemas.microsoft.com/office/drawing/2014/main" id="{DF3200B3-6829-CE70-9869-5345C0F5B090}"/>
               </a:ext>
             </a:extLst>
           </p:cNvPr>
@@ -2902,7 +2902,7 @@
             </a:lvl1pPr>
           </a:lstStyle>
           <a:p>
-            <a:fld id="{6874966D-011F-47C1-89F1-80095A0F9399}" type="datetimeFigureOut">
+            <a:fld id="{859C4300-A530-4BBB-849E-673E7A91E736}" type="datetimeFigureOut">
               <a:rPr lang="zh-CN" altLang="en-US" smtClean="0"/>
               <a:t>2024/3/10</a:t>
             </a:fld>
@@ -2915,7 +2915,7 @@
           <p:cNvPr id="5" name="页脚占位符 4">
             <a:extLst>
               <a:ext uri="{FF2B5EF4-FFF2-40B4-BE49-F238E27FC236}">
-                <a16:creationId xmlns:a16="http://schemas.microsoft.com/office/drawing/2014/main" id="{D5958A0F-3A4C-8EFE-CAAE-0217B649222F}"/>
+                <a16:creationId xmlns:a16="http://schemas.microsoft.com/office/drawing/2014/main" id="{B1457F82-7BBF-CF9A-B050-0472024BA3FC}"/>
               </a:ext>
             </a:extLst>
           </p:cNvPr>
@@ -2958,7 +2958,7 @@
           <p:cNvPr id="6" name="灯片编号占位符 5">
             <a:extLst>
               <a:ext uri="{FF2B5EF4-FFF2-40B4-BE49-F238E27FC236}">
-                <a16:creationId xmlns:a16="http://schemas.microsoft.com/office/drawing/2014/main" id="{0C6D74E2-1D96-FDED-8F83-CEBCB38D900D}"/>
+                <a16:creationId xmlns:a16="http://schemas.microsoft.com/office/drawing/2014/main" id="{FD2B641D-ACED-D6FC-965C-CAC0CFA55D2D}"/>
               </a:ext>
             </a:extLst>
           </p:cNvPr>
@@ -2992,7 +2992,7 @@
             </a:lvl1pPr>
           </a:lstStyle>
           <a:p>
-            <a:fld id="{FD254F6E-AFEA-41D1-9612-DCA63B406D84}" type="slidenum">
+            <a:fld id="{1B2CB916-ED0D-4AEF-8625-66111ABF5364}" type="slidenum">
               <a:rPr lang="zh-CN" altLang="en-US" smtClean="0"/>
               <a:t>‹#›</a:t>
             </a:fld>
@@ -3003,7 +3003,7 @@
     </p:spTree>
     <p:extLst>
       <p:ext uri="{BB962C8B-B14F-4D97-AF65-F5344CB8AC3E}">
-        <p14:creationId xmlns:p14="http://schemas.microsoft.com/office/powerpoint/2010/main" val="3001751982"/>
+        <p14:creationId xmlns:p14="http://schemas.microsoft.com/office/powerpoint/2010/main" val="2874141384"/>
       </p:ext>
     </p:extLst>
   </p:cSld>
